--- a/Guided Capstone Project Presentation.pptx
+++ b/Guided Capstone Project Presentation.pptx
@@ -112,6 +112,11 @@
       </a:defRPr>
     </a:lvl9pPr>
   </p:defaultTextStyle>
+  <p:extLst>
+    <p:ext uri="{EFAFB233-063F-42B5-8137-9DF3F51BA10A}">
+      <p15:sldGuideLst xmlns:p15="http://schemas.microsoft.com/office/powerpoint/2012/main"/>
+    </p:ext>
+  </p:extLst>
 </p:presentation>
 </file>
 
@@ -9843,7 +9848,7 @@
           <p:nvPr/>
         </p:nvPicPr>
         <p:blipFill>
-          <a:blip r:embed="rId3"/>
+          <a:blip r:embed="rId2"/>
           <a:stretch>
             <a:fillRect/>
           </a:stretch>

--- a/Guided Capstone Project Presentation.pptx
+++ b/Guided Capstone Project Presentation.pptx
@@ -9855,7 +9855,7 @@
         </p:blipFill>
         <p:spPr>
           <a:xfrm>
-            <a:off x="4379042" y="714425"/>
+            <a:off x="4453726" y="901238"/>
             <a:ext cx="7506047" cy="5881446"/>
           </a:xfrm>
           <a:prstGeom prst="rect">
